--- a/output/test5.pptx
+++ b/output/test5.pptx
@@ -5,12 +5,12 @@
     <p:sldMasterId id="2147483648" r:id="rId4"/>
   </p:sldMasterIdLst>
   <p:notesMasterIdLst>
-    <p:notesMasterId r:id="rId8"/>
+    <p:notesMasterId r:id="rId5"/>
   </p:notesMasterIdLst>
   <p:sldIdLst>
-    <p:sldId id="256" r:id="rId5"/>
-    <p:sldId id="257" r:id="rId6"/>
-    <p:sldId id="258" r:id="rId7"/>
+    <p:sldId id="256" r:id="rId11"/>
+    <p:sldId id="257" r:id="rId12"/>
+    <p:sldId id="258" r:id="rId13"/>
   </p:sldIdLst>
   <p:sldSz cx="12192000" cy="6858000"/>
   <p:notesSz cx="6858000" cy="9144000"/>
@@ -122,70 +122,6 @@
 
 <file path=ppt/changesInfos/changesInfo1.xml><?xml version="1.0" encoding="utf-8"?>
 <pc:chgInfo xmlns:a="http://schemas.openxmlformats.org/drawingml/2006/main" xmlns:r="http://schemas.openxmlformats.org/officeDocument/2006/relationships" xmlns:ac="http://schemas.microsoft.com/office/drawing/2013/main/command" xmlns:pc="http://schemas.microsoft.com/office/powerpoint/2013/main/command">
-  <pc:docChgLst>
-    <pc:chgData name="Simon Knight" userId="9061304c-fc0b-448c-b339-58b2ccbf8fd2" providerId="ADAL" clId="{0935FB07-C156-4B8A-8935-253109F044BD}"/>
-    <pc:docChg chg="custSel modSld">
-      <pc:chgData name="Simon Knight" userId="9061304c-fc0b-448c-b339-58b2ccbf8fd2" providerId="ADAL" clId="{0935FB07-C156-4B8A-8935-253109F044BD}" dt="2023-04-29T18:11:44.219" v="5" actId="27636"/>
-      <pc:docMkLst>
-        <pc:docMk/>
-      </pc:docMkLst>
-      <pc:sldChg chg="modSp">
-        <pc:chgData name="Simon Knight" userId="9061304c-fc0b-448c-b339-58b2ccbf8fd2" providerId="ADAL" clId="{0935FB07-C156-4B8A-8935-253109F044BD}" dt="2023-04-29T18:11:44.219" v="5" actId="27636"/>
-        <pc:sldMkLst>
-          <pc:docMk/>
-          <pc:sldMk cId="0" sldId="256"/>
-        </pc:sldMkLst>
-        <pc:spChg chg="mod">
-          <ac:chgData name="Simon Knight" userId="9061304c-fc0b-448c-b339-58b2ccbf8fd2" providerId="ADAL" clId="{0935FB07-C156-4B8A-8935-253109F044BD}" dt="2023-04-29T18:11:44.203" v="4" actId="3064"/>
-          <ac:spMkLst>
-            <pc:docMk/>
-            <pc:sldMk cId="0" sldId="256"/>
-            <ac:spMk id="2" creationId="{00000000-0000-0000-0000-000000000000}"/>
-          </ac:spMkLst>
-        </pc:spChg>
-        <pc:spChg chg="mod">
-          <ac:chgData name="Simon Knight" userId="9061304c-fc0b-448c-b339-58b2ccbf8fd2" providerId="ADAL" clId="{0935FB07-C156-4B8A-8935-253109F044BD}" dt="2023-04-29T18:11:44.203" v="4" actId="3064"/>
-          <ac:spMkLst>
-            <pc:docMk/>
-            <pc:sldMk cId="0" sldId="256"/>
-            <ac:spMk id="3" creationId="{00000000-0000-0000-0000-000000000000}"/>
-          </ac:spMkLst>
-        </pc:spChg>
-        <pc:spChg chg="mod">
-          <ac:chgData name="Simon Knight" userId="9061304c-fc0b-448c-b339-58b2ccbf8fd2" providerId="ADAL" clId="{0935FB07-C156-4B8A-8935-253109F044BD}" dt="2023-04-29T18:11:44.203" v="4" actId="3064"/>
-          <ac:spMkLst>
-            <pc:docMk/>
-            <pc:sldMk cId="0" sldId="256"/>
-            <ac:spMk id="5" creationId="{00000000-0000-0000-0000-000000000000}"/>
-          </ac:spMkLst>
-        </pc:spChg>
-        <pc:spChg chg="mod">
-          <ac:chgData name="Simon Knight" userId="9061304c-fc0b-448c-b339-58b2ccbf8fd2" providerId="ADAL" clId="{0935FB07-C156-4B8A-8935-253109F044BD}" dt="2023-04-29T18:11:44.203" v="4" actId="3064"/>
-          <ac:spMkLst>
-            <pc:docMk/>
-            <pc:sldMk cId="0" sldId="256"/>
-            <ac:spMk id="6" creationId="{00000000-0000-0000-0000-000000000000}"/>
-          </ac:spMkLst>
-        </pc:spChg>
-        <pc:spChg chg="mod">
-          <ac:chgData name="Simon Knight" userId="9061304c-fc0b-448c-b339-58b2ccbf8fd2" providerId="ADAL" clId="{0935FB07-C156-4B8A-8935-253109F044BD}" dt="2023-04-29T18:11:44.219" v="5" actId="27636"/>
-          <ac:spMkLst>
-            <pc:docMk/>
-            <pc:sldMk cId="0" sldId="256"/>
-            <ac:spMk id="8" creationId="{00000000-0000-0000-0000-000000000000}"/>
-          </ac:spMkLst>
-        </pc:spChg>
-        <pc:spChg chg="mod">
-          <ac:chgData name="Simon Knight" userId="9061304c-fc0b-448c-b339-58b2ccbf8fd2" providerId="ADAL" clId="{0935FB07-C156-4B8A-8935-253109F044BD}" dt="2023-04-29T18:11:44.203" v="4" actId="3064"/>
-          <ac:spMkLst>
-            <pc:docMk/>
-            <pc:sldMk cId="0" sldId="256"/>
-            <ac:spMk id="9" creationId="{00000000-0000-0000-0000-000000000000}"/>
-          </ac:spMkLst>
-        </pc:spChg>
-      </pc:sldChg>
-    </pc:docChg>
-  </pc:docChgLst>
   <pc:docChgLst>
     <pc:chgData name="Simon Knight" userId="9061304c-fc0b-448c-b339-58b2ccbf8fd2" providerId="ADAL" clId="{D116E52E-0FDF-4D87-82AF-0A5C76A8E138}"/>
     <pc:docChg chg="undo custSel modMainMaster">
@@ -7759,12 +7695,11 @@
           </a:xfrm>
         </p:spPr>
         <p:txBody>
-          <a:bodyPr>
-            <a:normAutofit/>
-          </a:bodyPr>
+          <a:bodyPr/>
           <a:lstStyle/>
           <a:p>
             <a:r>
+              <a:rPr/>
               <a:t>Sample Slide</a:t>
             </a:r>
           </a:p>
@@ -7787,12 +7722,11 @@
           </a:xfrm>
         </p:spPr>
         <p:txBody>
-          <a:bodyPr>
-            <a:normAutofit/>
-          </a:bodyPr>
+          <a:bodyPr/>
           <a:lstStyle/>
           <a:p>
             <a:r>
+              <a:rPr/>
               <a:t>Created with R and the officer package</a:t>
             </a:r>
           </a:p>
@@ -7800,7 +7734,7 @@
       </p:sp>
       <p:pic>
         <p:nvPicPr>
-          <p:cNvPr id="4" name="LogoBottomLeft"/>
+          <p:cNvPr id="4" name="LogoBottomLeft" descr=""/>
           <p:cNvPicPr>
             <a:picLocks noGrp="1"/>
           </p:cNvPicPr>
@@ -7809,7 +7743,7 @@
           </p:nvPr>
         </p:nvPicPr>
         <p:blipFill>
-          <a:blip r:embed="rId2" cstate="print"/>
+          <a:blip cstate="print" r:embed="rId2"/>
           <a:stretch>
             <a:fillRect/>
           </a:stretch>
@@ -7841,24 +7775,28 @@
           </a:xfrm>
         </p:spPr>
         <p:txBody>
-          <a:bodyPr>
-            <a:normAutofit/>
-          </a:bodyPr>
+          <a:bodyPr/>
           <a:lstStyle/>
           <a:p>
+            <a:pPr/>
             <a:r>
+              <a:rPr/>
               <a:t>Item 1
 </a:t>
             </a:r>
           </a:p>
           <a:p>
+            <a:pPr/>
             <a:r>
+              <a:rPr/>
               <a:t>Item 2
 </a:t>
             </a:r>
           </a:p>
           <a:p>
+            <a:pPr/>
             <a:r>
+              <a:rPr/>
               <a:t>Item 3
 </a:t>
             </a:r>
@@ -7882,24 +7820,28 @@
           </a:xfrm>
         </p:spPr>
         <p:txBody>
-          <a:bodyPr>
-            <a:normAutofit/>
-          </a:bodyPr>
+          <a:bodyPr/>
           <a:lstStyle/>
           <a:p>
+            <a:pPr/>
             <a:r>
+              <a:rPr/>
               <a:t>Item A
 </a:t>
             </a:r>
           </a:p>
           <a:p>
+            <a:pPr/>
             <a:r>
+              <a:rPr/>
               <a:t>Item B
 </a:t>
             </a:r>
           </a:p>
           <a:p>
+            <a:pPr/>
             <a:r>
+              <a:rPr/>
               <a:t>Item C
 </a:t>
             </a:r>
@@ -7908,7 +7850,7 @@
       </p:sp>
       <p:pic>
         <p:nvPicPr>
-          <p:cNvPr id="7" name="MiddlePlaceholder"/>
+          <p:cNvPr id="7" name="MiddlePlaceholder" descr=""/>
           <p:cNvPicPr>
             <a:picLocks noGrp="1"/>
           </p:cNvPicPr>
@@ -7917,7 +7859,7 @@
           </p:nvPr>
         </p:nvPicPr>
         <p:blipFill>
-          <a:blip r:embed="rId2" cstate="print"/>
+          <a:blip cstate="print" r:embed="rId2"/>
           <a:stretch>
             <a:fillRect/>
           </a:stretch>
@@ -7949,13 +7891,11 @@
           </a:xfrm>
         </p:spPr>
         <p:txBody>
-          <a:bodyPr>
-            <a:normAutofit fontScale="25000" lnSpcReduction="20000"/>
-          </a:bodyPr>
+          <a:bodyPr/>
           <a:lstStyle/>
           <a:p>
             <a:r>
-              <a:rPr dirty="0"/>
+              <a:rPr/>
               <a:t>&lt;a
 name=bib-kellyCollaborativeWebSearch2014&gt;&lt;/a&gt;[[1]](#cite-kellyCollaborativeWebSearch2014)
 R. Kelly and S. J. Payne. “Collaborative Web Search in Context: A Study
@@ -7984,12 +7924,11 @@
           </a:xfrm>
         </p:spPr>
         <p:txBody>
-          <a:bodyPr>
-            <a:normAutofit/>
-          </a:bodyPr>
+          <a:bodyPr/>
           <a:lstStyle/>
           <a:p>
             <a:r>
+              <a:rPr/>
               <a:t>CRICOS 00099F</a:t>
             </a:r>
           </a:p>
@@ -8041,6 +7980,7 @@
           <a:lstStyle/>
           <a:p>
             <a:r>
+              <a:rPr/>
               <a:t>Sample Slide</a:t>
             </a:r>
           </a:p>
@@ -8067,6 +8007,7 @@
           <a:lstStyle/>
           <a:p>
             <a:r>
+              <a:rPr/>
               <a:t>Created with R and the officer package</a:t>
             </a:r>
           </a:p>
@@ -8074,7 +8015,7 @@
       </p:sp>
       <p:pic>
         <p:nvPicPr>
-          <p:cNvPr id="4" name="LogoBottomLeft"/>
+          <p:cNvPr id="4" name="LogoBottomLeft" descr=""/>
           <p:cNvPicPr>
             <a:picLocks noGrp="1"/>
           </p:cNvPicPr>
@@ -8083,7 +8024,7 @@
           </p:nvPr>
         </p:nvPicPr>
         <p:blipFill>
-          <a:blip r:embed="rId2" cstate="print"/>
+          <a:blip cstate="print" r:embed="rId2"/>
           <a:stretch>
             <a:fillRect/>
           </a:stretch>
@@ -8118,19 +8059,25 @@
           <a:bodyPr/>
           <a:lstStyle/>
           <a:p>
+            <a:pPr/>
             <a:r>
+              <a:rPr/>
               <a:t>Item 1
 </a:t>
             </a:r>
           </a:p>
           <a:p>
+            <a:pPr/>
             <a:r>
+              <a:rPr/>
               <a:t>Item 2
 </a:t>
             </a:r>
           </a:p>
           <a:p>
+            <a:pPr/>
             <a:r>
+              <a:rPr/>
               <a:t>Item 3
 </a:t>
             </a:r>
@@ -8157,19 +8104,25 @@
           <a:bodyPr/>
           <a:lstStyle/>
           <a:p>
+            <a:pPr/>
             <a:r>
+              <a:rPr/>
               <a:t>Item A
 </a:t>
             </a:r>
           </a:p>
           <a:p>
+            <a:pPr/>
             <a:r>
+              <a:rPr/>
               <a:t>Item B
 </a:t>
             </a:r>
           </a:p>
           <a:p>
+            <a:pPr/>
             <a:r>
+              <a:rPr/>
               <a:t>Item C
 </a:t>
             </a:r>
@@ -8178,7 +8131,7 @@
       </p:sp>
       <p:pic>
         <p:nvPicPr>
-          <p:cNvPr id="7" name="MiddlePlaceholder"/>
+          <p:cNvPr id="7" name="MiddlePlaceholder" descr=""/>
           <p:cNvPicPr>
             <a:picLocks noGrp="1"/>
           </p:cNvPicPr>
@@ -8187,7 +8140,7 @@
           </p:nvPr>
         </p:nvPicPr>
         <p:blipFill>
-          <a:blip r:embed="rId2" cstate="print"/>
+          <a:blip cstate="print" r:embed="rId2"/>
           <a:stretch>
             <a:fillRect/>
           </a:stretch>
@@ -8223,6 +8176,7 @@
           <a:lstStyle/>
           <a:p>
             <a:r>
+              <a:rPr/>
               <a:t>&lt;a
 name=bib-kellyCollaborativeWebSearch2014&gt;&lt;/a&gt;[[1]](#cite-kellyCollaborativeWebSearch2014)
 R. Kelly and S. J. Payne. “Collaborative Web Search in Context: A Study
@@ -8255,6 +8209,7 @@
           <a:lstStyle/>
           <a:p>
             <a:r>
+              <a:rPr/>
               <a:t>CRICOS 00099F</a:t>
             </a:r>
           </a:p>
@@ -8306,6 +8261,7 @@
           <a:lstStyle/>
           <a:p>
             <a:r>
+              <a:rPr/>
               <a:t>Sample Slide</a:t>
             </a:r>
           </a:p>
@@ -8332,6 +8288,7 @@
           <a:lstStyle/>
           <a:p>
             <a:r>
+              <a:rPr/>
               <a:t>Created with R and the officer package</a:t>
             </a:r>
           </a:p>
@@ -8339,7 +8296,7 @@
       </p:sp>
       <p:pic>
         <p:nvPicPr>
-          <p:cNvPr id="4" name="LogoBottomLeft"/>
+          <p:cNvPr id="4" name="LogoBottomLeft" descr=""/>
           <p:cNvPicPr>
             <a:picLocks noGrp="1"/>
           </p:cNvPicPr>
@@ -8348,7 +8305,7 @@
           </p:nvPr>
         </p:nvPicPr>
         <p:blipFill>
-          <a:blip r:embed="rId2" cstate="print"/>
+          <a:blip cstate="print" r:embed="rId2"/>
           <a:stretch>
             <a:fillRect/>
           </a:stretch>
@@ -8383,19 +8340,25 @@
           <a:bodyPr/>
           <a:lstStyle/>
           <a:p>
+            <a:pPr/>
             <a:r>
+              <a:rPr/>
               <a:t>Item 1
 </a:t>
             </a:r>
           </a:p>
           <a:p>
+            <a:pPr/>
             <a:r>
+              <a:rPr/>
               <a:t>Item 2
 </a:t>
             </a:r>
           </a:p>
           <a:p>
+            <a:pPr/>
             <a:r>
+              <a:rPr/>
               <a:t>Item 3
 </a:t>
             </a:r>
@@ -8422,19 +8385,25 @@
           <a:bodyPr/>
           <a:lstStyle/>
           <a:p>
+            <a:pPr/>
             <a:r>
+              <a:rPr/>
               <a:t>Item A
 </a:t>
             </a:r>
           </a:p>
           <a:p>
+            <a:pPr/>
             <a:r>
+              <a:rPr/>
               <a:t>Item B
 </a:t>
             </a:r>
           </a:p>
           <a:p>
+            <a:pPr/>
             <a:r>
+              <a:rPr/>
               <a:t>Item C
 </a:t>
             </a:r>
@@ -8443,7 +8412,7 @@
       </p:sp>
       <p:pic>
         <p:nvPicPr>
-          <p:cNvPr id="7" name="MiddlePlaceholder"/>
+          <p:cNvPr id="7" name="MiddlePlaceholder" descr=""/>
           <p:cNvPicPr>
             <a:picLocks noGrp="1"/>
           </p:cNvPicPr>
@@ -8452,7 +8421,7 @@
           </p:nvPr>
         </p:nvPicPr>
         <p:blipFill>
-          <a:blip r:embed="rId2" cstate="print"/>
+          <a:blip cstate="print" r:embed="rId2"/>
           <a:stretch>
             <a:fillRect/>
           </a:stretch>
@@ -8488,6 +8457,7 @@
           <a:lstStyle/>
           <a:p>
             <a:r>
+              <a:rPr/>
               <a:t>&lt;a
 name=bib-kellyCollaborativeWebSearch2014&gt;&lt;/a&gt;[[1]](#cite-kellyCollaborativeWebSearch2014)
 R. Kelly and S. J. Payne. “Collaborative Web Search in Context: A Study
@@ -8520,6 +8490,7 @@
           <a:lstStyle/>
           <a:p>
             <a:r>
+              <a:rPr/>
               <a:t>CRICOS 00099F</a:t>
             </a:r>
           </a:p>
@@ -9090,6 +9061,25 @@
 </file>
 
 <file path=customXml/item1.xml><?xml version="1.0" encoding="utf-8"?>
+<p:properties xmlns:p="http://schemas.microsoft.com/office/2006/metadata/properties" xmlns:xsi="http://www.w3.org/2001/XMLSchema-instance" xmlns:pc="http://schemas.microsoft.com/office/infopath/2007/PartnerControls">
+  <documentManagement>
+    <_ip_UnifiedCompliancePolicyUIAction xmlns="http://schemas.microsoft.com/sharepoint/v3" xsi:nil="true"/>
+    <_activity xmlns="0b43708e-46d6-4d3c-9c5a-ca1f9b3cc91a" xsi:nil="true"/>
+    <_ip_UnifiedCompliancePolicyProperties xmlns="http://schemas.microsoft.com/sharepoint/v3" xsi:nil="true"/>
+  </documentManagement>
+</p:properties>
+</file>
+
+<file path=customXml/item2.xml><?xml version="1.0" encoding="utf-8"?>
+<?mso-contentType ?>
+<FormTemplates xmlns="http://schemas.microsoft.com/sharepoint/v3/contenttype/forms">
+  <Display>DocumentLibraryForm</Display>
+  <Edit>DocumentLibraryForm</Edit>
+  <New>DocumentLibraryForm</New>
+</FormTemplates>
+</file>
+
+<file path=customXml/item3.xml><?xml version="1.0" encoding="utf-8"?>
 <ct:contentTypeSchema xmlns:ct="http://schemas.microsoft.com/office/2006/metadata/contentType" xmlns:ma="http://schemas.microsoft.com/office/2006/metadata/properties/metaAttributes" ct:_="" ma:_="" ma:contentTypeName="Document" ma:contentTypeID="0x010100E8BF8F5063C4294F82CD88B594AB769A" ma:contentTypeVersion="17" ma:contentTypeDescription="Create a new document." ma:contentTypeScope="" ma:versionID="52b72f450c1b79f86b5b55c065c55e7b">
   <xsd:schema xmlns:xsd="http://www.w3.org/2001/XMLSchema" xmlns:xs="http://www.w3.org/2001/XMLSchema" xmlns:p="http://schemas.microsoft.com/office/2006/metadata/properties" xmlns:ns1="http://schemas.microsoft.com/sharepoint/v3" xmlns:ns3="0b43708e-46d6-4d3c-9c5a-ca1f9b3cc91a" xmlns:ns4="3421a79c-7714-4f94-a561-803eb29bf7e8" targetNamespace="http://schemas.microsoft.com/office/2006/metadata/properties" ma:root="true" ma:fieldsID="35a8d571a6db47593d6ec50aba8ebc46" ns1:_="" ns3:_="" ns4:_="">
     <xsd:import namespace="http://schemas.microsoft.com/sharepoint/v3"/>
@@ -9341,26 +9331,33 @@
 </ct:contentTypeSchema>
 </file>
 
-<file path=customXml/item2.xml><?xml version="1.0" encoding="utf-8"?>
-<?mso-contentType ?>
-<FormTemplates xmlns="http://schemas.microsoft.com/sharepoint/v3/contenttype/forms">
-  <Display>DocumentLibraryForm</Display>
-  <Edit>DocumentLibraryForm</Edit>
-  <New>DocumentLibraryForm</New>
-</FormTemplates>
+<file path=customXml/itemProps1.xml><?xml version="1.0" encoding="utf-8"?>
+<ds:datastoreItem xmlns:ds="http://schemas.openxmlformats.org/officeDocument/2006/customXml" ds:itemID="{AA4222B2-7BCC-413E-836E-47DD7BC541DD}">
+  <ds:schemaRefs>
+    <ds:schemaRef ds:uri="http://www.w3.org/XML/1998/namespace"/>
+    <ds:schemaRef ds:uri="http://schemas.microsoft.com/sharepoint/v3"/>
+    <ds:schemaRef ds:uri="http://purl.org/dc/terms/"/>
+    <ds:schemaRef ds:uri="http://schemas.microsoft.com/office/2006/metadata/properties"/>
+    <ds:schemaRef ds:uri="0b43708e-46d6-4d3c-9c5a-ca1f9b3cc91a"/>
+    <ds:schemaRef ds:uri="http://purl.org/dc/elements/1.1/"/>
+    <ds:schemaRef ds:uri="http://schemas.microsoft.com/office/2006/documentManagement/types"/>
+    <ds:schemaRef ds:uri="http://purl.org/dc/dcmitype/"/>
+    <ds:schemaRef ds:uri="http://schemas.microsoft.com/office/infopath/2007/PartnerControls"/>
+    <ds:schemaRef ds:uri="http://schemas.openxmlformats.org/package/2006/metadata/core-properties"/>
+    <ds:schemaRef ds:uri="3421a79c-7714-4f94-a561-803eb29bf7e8"/>
+  </ds:schemaRefs>
+</ds:datastoreItem>
 </file>
 
-<file path=customXml/item3.xml><?xml version="1.0" encoding="utf-8"?>
-<p:properties xmlns:p="http://schemas.microsoft.com/office/2006/metadata/properties" xmlns:xsi="http://www.w3.org/2001/XMLSchema-instance" xmlns:pc="http://schemas.microsoft.com/office/infopath/2007/PartnerControls">
-  <documentManagement>
-    <_ip_UnifiedCompliancePolicyUIAction xmlns="http://schemas.microsoft.com/sharepoint/v3" xsi:nil="true"/>
-    <_activity xmlns="0b43708e-46d6-4d3c-9c5a-ca1f9b3cc91a" xsi:nil="true"/>
-    <_ip_UnifiedCompliancePolicyProperties xmlns="http://schemas.microsoft.com/sharepoint/v3" xsi:nil="true"/>
-  </documentManagement>
-</p:properties>
+<file path=customXml/itemProps2.xml><?xml version="1.0" encoding="utf-8"?>
+<ds:datastoreItem xmlns:ds="http://schemas.openxmlformats.org/officeDocument/2006/customXml" ds:itemID="{59335DCD-60E9-4556-94D0-F8211069E401}">
+  <ds:schemaRefs>
+    <ds:schemaRef ds:uri="http://schemas.microsoft.com/sharepoint/v3/contenttype/forms"/>
+  </ds:schemaRefs>
+</ds:datastoreItem>
 </file>
 
-<file path=customXml/itemProps1.xml><?xml version="1.0" encoding="utf-8"?>
+<file path=customXml/itemProps3.xml><?xml version="1.0" encoding="utf-8"?>
 <ds:datastoreItem xmlns:ds="http://schemas.openxmlformats.org/officeDocument/2006/customXml" ds:itemID="{C15D391B-B46C-4F5E-A642-1227725AA227}">
   <ds:schemaRefs>
     <ds:schemaRef ds:uri="http://schemas.microsoft.com/office/2006/metadata/contentType"/>
@@ -9378,30 +9375,4 @@
     <ds:schemaRef ds:uri="http://schemas.microsoft.com/internal/obd"/>
   </ds:schemaRefs>
 </ds:datastoreItem>
-</file>
-
-<file path=customXml/itemProps2.xml><?xml version="1.0" encoding="utf-8"?>
-<ds:datastoreItem xmlns:ds="http://schemas.openxmlformats.org/officeDocument/2006/customXml" ds:itemID="{59335DCD-60E9-4556-94D0-F8211069E401}">
-  <ds:schemaRefs>
-    <ds:schemaRef ds:uri="http://schemas.microsoft.com/sharepoint/v3/contenttype/forms"/>
-  </ds:schemaRefs>
-</ds:datastoreItem>
-</file>
-
-<file path=customXml/itemProps3.xml><?xml version="1.0" encoding="utf-8"?>
-<ds:datastoreItem xmlns:ds="http://schemas.openxmlformats.org/officeDocument/2006/customXml" ds:itemID="{AA4222B2-7BCC-413E-836E-47DD7BC541DD}">
-  <ds:schemaRefs>
-    <ds:schemaRef ds:uri="http://schemas.microsoft.com/office/2006/metadata/properties"/>
-    <ds:schemaRef ds:uri="http://schemas.microsoft.com/office/2006/documentManagement/types"/>
-    <ds:schemaRef ds:uri="http://purl.org/dc/dcmitype/"/>
-    <ds:schemaRef ds:uri="http://purl.org/dc/elements/1.1/"/>
-    <ds:schemaRef ds:uri="http://www.w3.org/XML/1998/namespace"/>
-    <ds:schemaRef ds:uri="http://schemas.microsoft.com/sharepoint/v3"/>
-    <ds:schemaRef ds:uri="http://schemas.openxmlformats.org/package/2006/metadata/core-properties"/>
-    <ds:schemaRef ds:uri="http://schemas.microsoft.com/office/infopath/2007/PartnerControls"/>
-    <ds:schemaRef ds:uri="3421a79c-7714-4f94-a561-803eb29bf7e8"/>
-    <ds:schemaRef ds:uri="0b43708e-46d6-4d3c-9c5a-ca1f9b3cc91a"/>
-    <ds:schemaRef ds:uri="http://purl.org/dc/terms/"/>
-  </ds:schemaRefs>
-</ds:datastoreItem>
 </file>